--- a/1 - Carpeta de Archivos/PresentacionV2.pptx
+++ b/1 - Carpeta de Archivos/PresentacionV2.pptx
@@ -5767,7 +5767,12 @@
             <p:ph type="ctrTitle"/>
           </p:nvPr>
         </p:nvSpPr>
-        <p:spPr/>
+        <p:spPr>
+          <a:xfrm>
+            <a:off x="1225827" y="239648"/>
+            <a:ext cx="9448800" cy="1825096"/>
+          </a:xfrm>
+        </p:spPr>
         <p:txBody>
           <a:bodyPr/>
           <a:lstStyle/>
@@ -5802,18 +5807,96 @@
             <p:ph type="subTitle" idx="1"/>
           </p:nvPr>
         </p:nvSpPr>
-        <p:spPr/>
-        <p:txBody>
-          <a:bodyPr/>
+        <p:spPr>
+          <a:xfrm>
+            <a:off x="1371600" y="3609507"/>
+            <a:ext cx="9448800" cy="2489452"/>
+          </a:xfrm>
+        </p:spPr>
+        <p:txBody>
+          <a:bodyPr>
+            <a:normAutofit/>
+          </a:bodyPr>
           <a:lstStyle/>
+          <a:p>
+            <a:r>
+              <a:rPr lang="es-PE" dirty="0"/>
+              <a:t>Alumno:</a:t>
+            </a:r>
+          </a:p>
           <a:p>
             <a:r>
               <a:rPr lang="es-PE" dirty="0"/>
               <a:t>Diego Leonardo Lloclla Villanueva</a:t>
             </a:r>
           </a:p>
-        </p:txBody>
-      </p:sp>
+          <a:p>
+            <a:r>
+              <a:rPr lang="es-PE" dirty="0"/>
+              <a:t>Docente:</a:t>
+            </a:r>
+          </a:p>
+          <a:p>
+            <a:r>
+              <a:rPr lang="es-PE" dirty="0"/>
+              <a:t>Nilton Cesar Mercado </a:t>
+            </a:r>
+            <a:r>
+              <a:rPr lang="es-PE" dirty="0" err="1"/>
+              <a:t>Chavez</a:t>
+            </a:r>
+            <a:endParaRPr lang="es-PE" dirty="0"/>
+          </a:p>
+          <a:p>
+            <a:r>
+              <a:rPr lang="es-PE" dirty="0"/>
+              <a:t>Curso:</a:t>
+            </a:r>
+          </a:p>
+          <a:p>
+            <a:r>
+              <a:rPr lang="es-PE" dirty="0"/>
+              <a:t>Algoritmos y Estructuras de Datos</a:t>
+            </a:r>
+          </a:p>
+        </p:txBody>
+      </p:sp>
+      <p:pic>
+        <p:nvPicPr>
+          <p:cNvPr id="5" name="Imagen 4">
+            <a:extLst>
+              <a:ext uri="{FF2B5EF4-FFF2-40B4-BE49-F238E27FC236}">
+                <a16:creationId xmlns:a16="http://schemas.microsoft.com/office/drawing/2014/main" id="{FB7E44CB-C541-B2E9-3952-941A49A4F8BC}"/>
+              </a:ext>
+            </a:extLst>
+          </p:cNvPr>
+          <p:cNvPicPr>
+            <a:picLocks noChangeAspect="1"/>
+          </p:cNvPicPr>
+          <p:nvPr/>
+        </p:nvPicPr>
+        <p:blipFill>
+          <a:blip r:embed="rId2">
+            <a:extLst>
+              <a:ext uri="{28A0092B-C50C-407E-A947-70E740481C1C}">
+                <a14:useLocalDpi xmlns:a14="http://schemas.microsoft.com/office/drawing/2010/main" val="0"/>
+              </a:ext>
+            </a:extLst>
+          </a:blip>
+          <a:stretch>
+            <a:fillRect/>
+          </a:stretch>
+        </p:blipFill>
+        <p:spPr>
+          <a:xfrm>
+            <a:off x="8780695" y="1784411"/>
+            <a:ext cx="2900835" cy="3153082"/>
+          </a:xfrm>
+          <a:prstGeom prst="rect">
+            <a:avLst/>
+          </a:prstGeom>
+        </p:spPr>
+      </p:pic>
     </p:spTree>
     <p:extLst>
       <p:ext uri="{BB962C8B-B14F-4D97-AF65-F5344CB8AC3E}">
